--- a/副本/Ch4_認證授權與存取控制(潘天佑的第5章).pptx
+++ b/副本/Ch4_認證授權與存取控制(潘天佑的第5章).pptx
@@ -5198,7 +5198,38 @@
               <a:latin typeface="Calibri" pitchFamily="34" charset="0"/>
               <a:ea typeface="+mn-ea"/>
             </a:rPr>
-            <a:t>應該避免讓一個人</a:t>
+            <a:t>應該避免</a:t>
+          </a:r>
+          <a:r>
+            <a:rPr lang="zh-TW" altLang="en-US" sz="2000" dirty="0" smtClean="0">
+              <a:latin typeface="Calibri" pitchFamily="34" charset="0"/>
+              <a:ea typeface="+mn-ea"/>
+            </a:rPr>
+            <a:t>讓某個人知道</a:t>
+          </a:r>
+          <a:r>
+            <a:rPr lang="zh-TW" altLang="en-US" sz="2000" dirty="0" smtClean="0">
+              <a:latin typeface="Calibri" pitchFamily="34" charset="0"/>
+              <a:ea typeface="+mn-ea"/>
+            </a:rPr>
+            <a:t>或持有</a:t>
+          </a:r>
+          <a:r>
+            <a:rPr lang="zh-TW" altLang="en-US" sz="2000" dirty="0" smtClean="0">
+              <a:latin typeface="Calibri" pitchFamily="34" charset="0"/>
+              <a:ea typeface="+mn-ea"/>
+            </a:rPr>
+            <a:t>一個</a:t>
+          </a:r>
+          <a:r>
+            <a:rPr lang="en-US" altLang="zh-TW" sz="2000" dirty="0" smtClean="0">
+              <a:solidFill>
+                <a:srgbClr val="0000FF"/>
+              </a:solidFill>
+              <a:latin typeface="Calibri" pitchFamily="34" charset="0"/>
+              <a:ea typeface="+mn-ea"/>
+            </a:rPr>
+            <a:t>(</a:t>
           </a:r>
           <a:r>
             <a:rPr lang="zh-TW" altLang="en-US" sz="2000" dirty="0" smtClean="0">
@@ -5211,11 +5242,28 @@
             <a:t>完整的</a:t>
           </a:r>
           <a:r>
+            <a:rPr lang="en-US" altLang="zh-TW" sz="2000" dirty="0" smtClean="0">
+              <a:solidFill>
+                <a:srgbClr val="0000FF"/>
+              </a:solidFill>
+              <a:latin typeface="Calibri" pitchFamily="34" charset="0"/>
+              <a:ea typeface="+mn-ea"/>
+            </a:rPr>
+            <a:t>)</a:t>
+          </a:r>
+          <a:r>
             <a:rPr lang="zh-TW" altLang="en-US" sz="2000" dirty="0" smtClean="0">
               <a:latin typeface="Calibri" pitchFamily="34" charset="0"/>
               <a:ea typeface="+mn-ea"/>
             </a:rPr>
-            <a:t>知道或持有一個秘密的資訊或流程。</a:t>
+            <a:t>秘密資訊</a:t>
+          </a:r>
+          <a:r>
+            <a:rPr lang="zh-TW" altLang="en-US" sz="2000" dirty="0" smtClean="0">
+              <a:latin typeface="Calibri" pitchFamily="34" charset="0"/>
+              <a:ea typeface="+mn-ea"/>
+            </a:rPr>
+            <a:t>或流程。</a:t>
           </a:r>
           <a:endParaRPr lang="zh-TW" altLang="en-US" sz="2000" dirty="0">
             <a:latin typeface="Calibri" pitchFamily="34" charset="0"/>
@@ -5603,7 +5651,24 @@
               <a:latin typeface="Calibri" pitchFamily="34" charset="0"/>
               <a:ea typeface="+mn-ea"/>
             </a:rPr>
-            <a:t>間應有清楚的權限對應關係。</a:t>
+            <a:t>間</a:t>
+          </a:r>
+          <a:r>
+            <a:rPr lang="zh-TW" altLang="en-US" sz="2000" dirty="0" smtClean="0">
+              <a:solidFill>
+                <a:srgbClr val="0000FF"/>
+              </a:solidFill>
+              <a:latin typeface="Calibri" pitchFamily="34" charset="0"/>
+              <a:ea typeface="+mn-ea"/>
+            </a:rPr>
+            <a:t>應有清楚的權限對應關係</a:t>
+          </a:r>
+          <a:r>
+            <a:rPr lang="zh-TW" altLang="en-US" sz="2000" dirty="0" smtClean="0">
+              <a:latin typeface="Calibri" pitchFamily="34" charset="0"/>
+              <a:ea typeface="+mn-ea"/>
+            </a:rPr>
+            <a:t>。</a:t>
           </a:r>
           <a:endParaRPr lang="zh-TW" altLang="en-US" sz="2000" dirty="0">
             <a:latin typeface="Calibri" pitchFamily="34" charset="0"/>
@@ -5782,23 +5847,23 @@
     </dgm:pt>
   </dgm:ptLst>
   <dgm:cxnLst>
+    <dgm:cxn modelId="{3F07D28B-FDFF-40BC-8904-B99286D834CB}" srcId="{CD93E9EC-4FD4-4449-8F5B-5E7C28606090}" destId="{37902E84-7239-4BE6-9942-5FD108D31CA4}" srcOrd="0" destOrd="0" parTransId="{5A7788FA-74B2-44BF-804B-A865654835EC}" sibTransId="{F3F93D6C-5325-4C42-9B40-DE9EB16215C1}"/>
+    <dgm:cxn modelId="{FBBFCB71-FA95-4BFA-AB44-40739E2BA3B5}" srcId="{08F27719-4293-4BED-8BFC-94793A236CC8}" destId="{CD93E9EC-4FD4-4449-8F5B-5E7C28606090}" srcOrd="1" destOrd="0" parTransId="{365788C1-84D0-4AD7-91F0-8EB939A48408}" sibTransId="{886EEF88-66D0-4AA7-B0BB-29F716057686}"/>
+    <dgm:cxn modelId="{402FD9EF-6361-4788-8FA5-E820F0BE80FF}" srcId="{1A146027-5B44-4157-BA67-A4D6635E6B63}" destId="{F8EBDA77-32F6-4646-9143-C5CD976F68B1}" srcOrd="0" destOrd="0" parTransId="{B9BABB4C-DFCF-40C3-98A2-23F46ED153E3}" sibTransId="{4D0C4219-F013-4303-8413-1E5022F69E16}"/>
+    <dgm:cxn modelId="{96C6D8BB-F3D2-49CC-8901-9F4459ADBFC4}" srcId="{518ECB8D-352E-4412-B1A2-C84C15B06108}" destId="{8BFE031B-3DC6-4782-ABA7-E13ACEDEE57A}" srcOrd="0" destOrd="0" parTransId="{BEA12D04-0B1C-44E8-9B6E-B537D2BD26B6}" sibTransId="{106E8AE9-5F8B-4217-9A83-3CE0DF560E35}"/>
+    <dgm:cxn modelId="{60AA16F6-BC72-4841-96D3-8BF5FBC89D87}" type="presOf" srcId="{8BFE031B-3DC6-4782-ABA7-E13ACEDEE57A}" destId="{AC4DBB77-87E7-4076-997F-A65407D7C5A9}" srcOrd="0" destOrd="0" presId="urn:microsoft.com/office/officeart/2005/8/layout/vList2"/>
+    <dgm:cxn modelId="{CEB767C2-15DD-49D6-9531-ABDFD28E5EDC}" type="presOf" srcId="{1A146027-5B44-4157-BA67-A4D6635E6B63}" destId="{EBE47799-6C1D-4D2D-9B89-754854173972}" srcOrd="0" destOrd="0" presId="urn:microsoft.com/office/officeart/2005/8/layout/vList2"/>
+    <dgm:cxn modelId="{9C0A26B2-2CB8-425B-B214-26BF7067EBF1}" srcId="{08F27719-4293-4BED-8BFC-94793A236CC8}" destId="{1A146027-5B44-4157-BA67-A4D6635E6B63}" srcOrd="2" destOrd="0" parTransId="{2CD6D8BD-96E2-42EF-89A0-E08824D21408}" sibTransId="{7E323777-497A-4D2E-8ED3-AE168705EE47}"/>
     <dgm:cxn modelId="{8D3A15FF-6294-4281-87BB-95CAE3560B27}" type="presOf" srcId="{518ECB8D-352E-4412-B1A2-C84C15B06108}" destId="{FEA192B1-1570-417F-9582-13483FF05CDA}" srcOrd="0" destOrd="0" presId="urn:microsoft.com/office/officeart/2005/8/layout/vList2"/>
     <dgm:cxn modelId="{37FE5BAD-D254-41A5-BA0A-7243D246C62D}" type="presOf" srcId="{37902E84-7239-4BE6-9942-5FD108D31CA4}" destId="{712E71E4-35CE-4783-9379-9E28DDE8BDEA}" srcOrd="0" destOrd="0" presId="urn:microsoft.com/office/officeart/2005/8/layout/vList2"/>
-    <dgm:cxn modelId="{FBBFCB71-FA95-4BFA-AB44-40739E2BA3B5}" srcId="{08F27719-4293-4BED-8BFC-94793A236CC8}" destId="{CD93E9EC-4FD4-4449-8F5B-5E7C28606090}" srcOrd="1" destOrd="0" parTransId="{365788C1-84D0-4AD7-91F0-8EB939A48408}" sibTransId="{886EEF88-66D0-4AA7-B0BB-29F716057686}"/>
-    <dgm:cxn modelId="{9C0A26B2-2CB8-425B-B214-26BF7067EBF1}" srcId="{08F27719-4293-4BED-8BFC-94793A236CC8}" destId="{1A146027-5B44-4157-BA67-A4D6635E6B63}" srcOrd="2" destOrd="0" parTransId="{2CD6D8BD-96E2-42EF-89A0-E08824D21408}" sibTransId="{7E323777-497A-4D2E-8ED3-AE168705EE47}"/>
+    <dgm:cxn modelId="{B4184479-D2C2-4377-90E0-14D975026F7F}" srcId="{C7BBB36E-0461-4C0C-95D3-775EAB4DEFDD}" destId="{78DF22FA-FD64-43E7-8000-77F66614E147}" srcOrd="0" destOrd="0" parTransId="{DF380049-0C16-426B-BC9E-E654473FCA21}" sibTransId="{DF60A6D5-9B13-452F-AE19-B69B9A69B795}"/>
+    <dgm:cxn modelId="{B952925C-4537-442B-B09D-E3AD2B8AB0EA}" srcId="{08F27719-4293-4BED-8BFC-94793A236CC8}" destId="{C7BBB36E-0461-4C0C-95D3-775EAB4DEFDD}" srcOrd="3" destOrd="0" parTransId="{1C1BDF6D-E938-4AD2-868B-81ACB848662D}" sibTransId="{C0154DD5-18B5-4A84-8DB3-208B976E3B33}"/>
+    <dgm:cxn modelId="{C8052B46-48D3-415F-A0A1-C8CD4940B2FC}" type="presOf" srcId="{C7BBB36E-0461-4C0C-95D3-775EAB4DEFDD}" destId="{A1D3387F-599A-43AB-AAC6-A453FCF42AFB}" srcOrd="0" destOrd="0" presId="urn:microsoft.com/office/officeart/2005/8/layout/vList2"/>
+    <dgm:cxn modelId="{4B47EF4E-1588-4D69-8CF7-E411F5540D01}" type="presOf" srcId="{78DF22FA-FD64-43E7-8000-77F66614E147}" destId="{07585CF1-7EC7-4DE3-A15B-14732222B059}" srcOrd="0" destOrd="0" presId="urn:microsoft.com/office/officeart/2005/8/layout/vList2"/>
+    <dgm:cxn modelId="{B6A842FA-5F79-4D55-B966-5F716A7333A8}" type="presOf" srcId="{08F27719-4293-4BED-8BFC-94793A236CC8}" destId="{C611F365-CA7B-44C0-B0C6-5041FD0EDF2D}" srcOrd="0" destOrd="0" presId="urn:microsoft.com/office/officeart/2005/8/layout/vList2"/>
+    <dgm:cxn modelId="{C1E72FEF-010E-4B3F-86AD-DE4E493773E0}" type="presOf" srcId="{CD93E9EC-4FD4-4449-8F5B-5E7C28606090}" destId="{AD6DAD42-3C3C-44F9-A987-D75E741E6FE8}" srcOrd="0" destOrd="0" presId="urn:microsoft.com/office/officeart/2005/8/layout/vList2"/>
+    <dgm:cxn modelId="{4E8EFF6F-BB8A-4A28-985F-9AEC89C3C433}" srcId="{08F27719-4293-4BED-8BFC-94793A236CC8}" destId="{518ECB8D-352E-4412-B1A2-C84C15B06108}" srcOrd="0" destOrd="0" parTransId="{3FEB8F44-E1CC-4BC2-A3B7-4D34D7B824FD}" sibTransId="{941BC987-E45E-4EFB-AFE2-0CFD5261205B}"/>
     <dgm:cxn modelId="{A96B2292-A213-46E4-9244-644C23215B97}" type="presOf" srcId="{F8EBDA77-32F6-4646-9143-C5CD976F68B1}" destId="{F7E2CFDB-8A98-45E6-B3BE-E9E1CC37FBCA}" srcOrd="0" destOrd="0" presId="urn:microsoft.com/office/officeart/2005/8/layout/vList2"/>
-    <dgm:cxn modelId="{4B47EF4E-1588-4D69-8CF7-E411F5540D01}" type="presOf" srcId="{78DF22FA-FD64-43E7-8000-77F66614E147}" destId="{07585CF1-7EC7-4DE3-A15B-14732222B059}" srcOrd="0" destOrd="0" presId="urn:microsoft.com/office/officeart/2005/8/layout/vList2"/>
-    <dgm:cxn modelId="{3F07D28B-FDFF-40BC-8904-B99286D834CB}" srcId="{CD93E9EC-4FD4-4449-8F5B-5E7C28606090}" destId="{37902E84-7239-4BE6-9942-5FD108D31CA4}" srcOrd="0" destOrd="0" parTransId="{5A7788FA-74B2-44BF-804B-A865654835EC}" sibTransId="{F3F93D6C-5325-4C42-9B40-DE9EB16215C1}"/>
-    <dgm:cxn modelId="{B4184479-D2C2-4377-90E0-14D975026F7F}" srcId="{C7BBB36E-0461-4C0C-95D3-775EAB4DEFDD}" destId="{78DF22FA-FD64-43E7-8000-77F66614E147}" srcOrd="0" destOrd="0" parTransId="{DF380049-0C16-426B-BC9E-E654473FCA21}" sibTransId="{DF60A6D5-9B13-452F-AE19-B69B9A69B795}"/>
-    <dgm:cxn modelId="{4E8EFF6F-BB8A-4A28-985F-9AEC89C3C433}" srcId="{08F27719-4293-4BED-8BFC-94793A236CC8}" destId="{518ECB8D-352E-4412-B1A2-C84C15B06108}" srcOrd="0" destOrd="0" parTransId="{3FEB8F44-E1CC-4BC2-A3B7-4D34D7B824FD}" sibTransId="{941BC987-E45E-4EFB-AFE2-0CFD5261205B}"/>
-    <dgm:cxn modelId="{CEB767C2-15DD-49D6-9531-ABDFD28E5EDC}" type="presOf" srcId="{1A146027-5B44-4157-BA67-A4D6635E6B63}" destId="{EBE47799-6C1D-4D2D-9B89-754854173972}" srcOrd="0" destOrd="0" presId="urn:microsoft.com/office/officeart/2005/8/layout/vList2"/>
-    <dgm:cxn modelId="{B6A842FA-5F79-4D55-B966-5F716A7333A8}" type="presOf" srcId="{08F27719-4293-4BED-8BFC-94793A236CC8}" destId="{C611F365-CA7B-44C0-B0C6-5041FD0EDF2D}" srcOrd="0" destOrd="0" presId="urn:microsoft.com/office/officeart/2005/8/layout/vList2"/>
-    <dgm:cxn modelId="{B952925C-4537-442B-B09D-E3AD2B8AB0EA}" srcId="{08F27719-4293-4BED-8BFC-94793A236CC8}" destId="{C7BBB36E-0461-4C0C-95D3-775EAB4DEFDD}" srcOrd="3" destOrd="0" parTransId="{1C1BDF6D-E938-4AD2-868B-81ACB848662D}" sibTransId="{C0154DD5-18B5-4A84-8DB3-208B976E3B33}"/>
-    <dgm:cxn modelId="{60AA16F6-BC72-4841-96D3-8BF5FBC89D87}" type="presOf" srcId="{8BFE031B-3DC6-4782-ABA7-E13ACEDEE57A}" destId="{AC4DBB77-87E7-4076-997F-A65407D7C5A9}" srcOrd="0" destOrd="0" presId="urn:microsoft.com/office/officeart/2005/8/layout/vList2"/>
-    <dgm:cxn modelId="{96C6D8BB-F3D2-49CC-8901-9F4459ADBFC4}" srcId="{518ECB8D-352E-4412-B1A2-C84C15B06108}" destId="{8BFE031B-3DC6-4782-ABA7-E13ACEDEE57A}" srcOrd="0" destOrd="0" parTransId="{BEA12D04-0B1C-44E8-9B6E-B537D2BD26B6}" sibTransId="{106E8AE9-5F8B-4217-9A83-3CE0DF560E35}"/>
-    <dgm:cxn modelId="{C8052B46-48D3-415F-A0A1-C8CD4940B2FC}" type="presOf" srcId="{C7BBB36E-0461-4C0C-95D3-775EAB4DEFDD}" destId="{A1D3387F-599A-43AB-AAC6-A453FCF42AFB}" srcOrd="0" destOrd="0" presId="urn:microsoft.com/office/officeart/2005/8/layout/vList2"/>
-    <dgm:cxn modelId="{402FD9EF-6361-4788-8FA5-E820F0BE80FF}" srcId="{1A146027-5B44-4157-BA67-A4D6635E6B63}" destId="{F8EBDA77-32F6-4646-9143-C5CD976F68B1}" srcOrd="0" destOrd="0" parTransId="{B9BABB4C-DFCF-40C3-98A2-23F46ED153E3}" sibTransId="{4D0C4219-F013-4303-8413-1E5022F69E16}"/>
-    <dgm:cxn modelId="{C1E72FEF-010E-4B3F-86AD-DE4E493773E0}" type="presOf" srcId="{CD93E9EC-4FD4-4449-8F5B-5E7C28606090}" destId="{AD6DAD42-3C3C-44F9-A987-D75E741E6FE8}" srcOrd="0" destOrd="0" presId="urn:microsoft.com/office/officeart/2005/8/layout/vList2"/>
     <dgm:cxn modelId="{D28EA510-196C-46C0-8765-90F2ECDE37AF}" type="presParOf" srcId="{C611F365-CA7B-44C0-B0C6-5041FD0EDF2D}" destId="{FEA192B1-1570-417F-9582-13483FF05CDA}" srcOrd="0" destOrd="0" presId="urn:microsoft.com/office/officeart/2005/8/layout/vList2"/>
     <dgm:cxn modelId="{D42890A8-4A65-4B0A-BB57-D0C510FA5549}" type="presParOf" srcId="{C611F365-CA7B-44C0-B0C6-5041FD0EDF2D}" destId="{AC4DBB77-87E7-4076-997F-A65407D7C5A9}" srcOrd="1" destOrd="0" presId="urn:microsoft.com/office/officeart/2005/8/layout/vList2"/>
     <dgm:cxn modelId="{1920AE07-CE37-4E9F-8F06-3A7F28F9015C}" type="presParOf" srcId="{C611F365-CA7B-44C0-B0C6-5041FD0EDF2D}" destId="{AD6DAD42-3C3C-44F9-A987-D75E741E6FE8}" srcOrd="2" destOrd="0" presId="urn:microsoft.com/office/officeart/2005/8/layout/vList2"/>
@@ -6472,7 +6537,19 @@
         <a:p>
           <a:r>
             <a:rPr lang="zh-TW" altLang="en-US" sz="2000" dirty="0" smtClean="0"/>
-            <a:t>系統通過身分認證後，授予使用者的讀、寫、執行、刪除等權限。</a:t>
+            <a:t>系統</a:t>
+          </a:r>
+          <a:r>
+            <a:rPr lang="zh-TW" altLang="en-US" sz="2000" dirty="0" smtClean="0">
+              <a:solidFill>
+                <a:srgbClr val="0000FF"/>
+              </a:solidFill>
+            </a:rPr>
+            <a:t>通過</a:t>
+          </a:r>
+          <a:r>
+            <a:rPr lang="zh-TW" altLang="en-US" sz="2000" dirty="0" smtClean="0"/>
+            <a:t>身分認證後，授予使用者的讀、寫、執行、刪除等權限。</a:t>
           </a:r>
           <a:endParaRPr lang="en-US" altLang="zh-TW" sz="2000" dirty="0" smtClean="0"/>
         </a:p>
@@ -6509,7 +6586,19 @@
         <a:p>
           <a:r>
             <a:rPr lang="zh-TW" altLang="en-US" sz="2000" dirty="0" smtClean="0"/>
-            <a:t>能讓已經授權的使用者對自己在系統上的行為負責。</a:t>
+            <a:t>能讓已經授權的使用者對自己在系統上的</a:t>
+          </a:r>
+          <a:r>
+            <a:rPr lang="zh-TW" altLang="en-US" sz="2000" dirty="0" smtClean="0">
+              <a:solidFill>
+                <a:srgbClr val="0000FF"/>
+              </a:solidFill>
+            </a:rPr>
+            <a:t>行為負責</a:t>
+          </a:r>
+          <a:r>
+            <a:rPr lang="zh-TW" altLang="en-US" sz="2000" dirty="0" smtClean="0"/>
+            <a:t>。</a:t>
           </a:r>
           <a:endParaRPr lang="zh-TW" altLang="en-US" sz="2000" dirty="0"/>
         </a:p>
@@ -8766,7 +8855,38 @@
               <a:latin typeface="Calibri" pitchFamily="34" charset="0"/>
               <a:ea typeface="+mn-ea"/>
             </a:rPr>
-            <a:t>應該避免讓一個人</a:t>
+            <a:t>應該避免</a:t>
+          </a:r>
+          <a:r>
+            <a:rPr lang="zh-TW" altLang="en-US" sz="2000" kern="1200" dirty="0" smtClean="0">
+              <a:latin typeface="Calibri" pitchFamily="34" charset="0"/>
+              <a:ea typeface="+mn-ea"/>
+            </a:rPr>
+            <a:t>讓某個人知道</a:t>
+          </a:r>
+          <a:r>
+            <a:rPr lang="zh-TW" altLang="en-US" sz="2000" kern="1200" dirty="0" smtClean="0">
+              <a:latin typeface="Calibri" pitchFamily="34" charset="0"/>
+              <a:ea typeface="+mn-ea"/>
+            </a:rPr>
+            <a:t>或持有</a:t>
+          </a:r>
+          <a:r>
+            <a:rPr lang="zh-TW" altLang="en-US" sz="2000" kern="1200" dirty="0" smtClean="0">
+              <a:latin typeface="Calibri" pitchFamily="34" charset="0"/>
+              <a:ea typeface="+mn-ea"/>
+            </a:rPr>
+            <a:t>一個</a:t>
+          </a:r>
+          <a:r>
+            <a:rPr lang="en-US" altLang="zh-TW" sz="2000" kern="1200" dirty="0" smtClean="0">
+              <a:solidFill>
+                <a:srgbClr val="0000FF"/>
+              </a:solidFill>
+              <a:latin typeface="Calibri" pitchFamily="34" charset="0"/>
+              <a:ea typeface="+mn-ea"/>
+            </a:rPr>
+            <a:t>(</a:t>
           </a:r>
           <a:r>
             <a:rPr lang="zh-TW" altLang="en-US" sz="2000" kern="1200" dirty="0" smtClean="0">
@@ -8779,11 +8899,28 @@
             <a:t>完整的</a:t>
           </a:r>
           <a:r>
+            <a:rPr lang="en-US" altLang="zh-TW" sz="2000" kern="1200" dirty="0" smtClean="0">
+              <a:solidFill>
+                <a:srgbClr val="0000FF"/>
+              </a:solidFill>
+              <a:latin typeface="Calibri" pitchFamily="34" charset="0"/>
+              <a:ea typeface="+mn-ea"/>
+            </a:rPr>
+            <a:t>)</a:t>
+          </a:r>
+          <a:r>
             <a:rPr lang="zh-TW" altLang="en-US" sz="2000" kern="1200" dirty="0" smtClean="0">
               <a:latin typeface="Calibri" pitchFamily="34" charset="0"/>
               <a:ea typeface="+mn-ea"/>
             </a:rPr>
-            <a:t>知道或持有一個秘密的資訊或流程。</a:t>
+            <a:t>秘密資訊</a:t>
+          </a:r>
+          <a:r>
+            <a:rPr lang="zh-TW" altLang="en-US" sz="2000" kern="1200" dirty="0" smtClean="0">
+              <a:latin typeface="Calibri" pitchFamily="34" charset="0"/>
+              <a:ea typeface="+mn-ea"/>
+            </a:rPr>
+            <a:t>或流程。</a:t>
           </a:r>
           <a:endParaRPr lang="zh-TW" altLang="en-US" sz="2000" kern="1200" dirty="0">
             <a:latin typeface="Calibri" pitchFamily="34" charset="0"/>
@@ -9327,7 +9464,24 @@
               <a:latin typeface="Calibri" pitchFamily="34" charset="0"/>
               <a:ea typeface="+mn-ea"/>
             </a:rPr>
-            <a:t>間應有清楚的權限對應關係。</a:t>
+            <a:t>間</a:t>
+          </a:r>
+          <a:r>
+            <a:rPr lang="zh-TW" altLang="en-US" sz="2000" kern="1200" dirty="0" smtClean="0">
+              <a:solidFill>
+                <a:srgbClr val="0000FF"/>
+              </a:solidFill>
+              <a:latin typeface="Calibri" pitchFamily="34" charset="0"/>
+              <a:ea typeface="+mn-ea"/>
+            </a:rPr>
+            <a:t>應有清楚的權限對應關係</a:t>
+          </a:r>
+          <a:r>
+            <a:rPr lang="zh-TW" altLang="en-US" sz="2000" kern="1200" dirty="0" smtClean="0">
+              <a:latin typeface="Calibri" pitchFamily="34" charset="0"/>
+              <a:ea typeface="+mn-ea"/>
+            </a:rPr>
+            <a:t>。</a:t>
           </a:r>
           <a:endParaRPr lang="zh-TW" altLang="en-US" sz="2000" kern="1200" dirty="0">
             <a:latin typeface="Calibri" pitchFamily="34" charset="0"/>
@@ -10222,7 +10376,19 @@
           </a:pPr>
           <a:r>
             <a:rPr lang="zh-TW" altLang="en-US" sz="2000" kern="1200" dirty="0" smtClean="0"/>
-            <a:t>系統通過身分認證後，授予使用者的讀、寫、執行、刪除等權限。</a:t>
+            <a:t>系統</a:t>
+          </a:r>
+          <a:r>
+            <a:rPr lang="zh-TW" altLang="en-US" sz="2000" kern="1200" dirty="0" smtClean="0">
+              <a:solidFill>
+                <a:srgbClr val="0000FF"/>
+              </a:solidFill>
+            </a:rPr>
+            <a:t>通過</a:t>
+          </a:r>
+          <a:r>
+            <a:rPr lang="zh-TW" altLang="en-US" sz="2000" kern="1200" dirty="0" smtClean="0"/>
+            <a:t>身分認證後，授予使用者的讀、寫、執行、刪除等權限。</a:t>
           </a:r>
           <a:endParaRPr lang="en-US" altLang="zh-TW" sz="2000" kern="1200" dirty="0" smtClean="0"/>
         </a:p>
@@ -10379,7 +10545,19 @@
           </a:pPr>
           <a:r>
             <a:rPr lang="zh-TW" altLang="en-US" sz="2000" kern="1200" dirty="0" smtClean="0"/>
-            <a:t>能讓已經授權的使用者對自己在系統上的行為負責。</a:t>
+            <a:t>能讓已經授權的使用者對自己在系統上的</a:t>
+          </a:r>
+          <a:r>
+            <a:rPr lang="zh-TW" altLang="en-US" sz="2000" kern="1200" dirty="0" smtClean="0">
+              <a:solidFill>
+                <a:srgbClr val="0000FF"/>
+              </a:solidFill>
+            </a:rPr>
+            <a:t>行為負責</a:t>
+          </a:r>
+          <a:r>
+            <a:rPr lang="zh-TW" altLang="en-US" sz="2000" kern="1200" dirty="0" smtClean="0"/>
+            <a:t>。</a:t>
           </a:r>
           <a:endParaRPr lang="zh-TW" altLang="en-US" sz="2000" kern="1200" dirty="0"/>
         </a:p>
@@ -19434,7 +19612,7 @@
             <a:fld id="{EAE291C0-D8AB-497A-9894-6D2201467A0F}" type="datetimeFigureOut">
               <a:rPr lang="zh-TW" altLang="en-US" smtClean="0"/>
               <a:pPr/>
-              <a:t>2023/10/16</a:t>
+              <a:t>2025/10/20</a:t>
             </a:fld>
             <a:endParaRPr lang="zh-TW" altLang="en-US"/>
           </a:p>
@@ -19981,7 +20159,7 @@
             <a:fld id="{4A3E55C4-1B54-4260-BC9F-92F1C3DAF52B}" type="datetimeFigureOut">
               <a:rPr lang="zh-TW" altLang="en-US" smtClean="0"/>
               <a:pPr/>
-              <a:t>2023/10/16</a:t>
+              <a:t>2025/10/20</a:t>
             </a:fld>
             <a:endParaRPr lang="zh-TW" altLang="en-US"/>
           </a:p>
@@ -20190,7 +20368,7 @@
             <a:fld id="{4A3E55C4-1B54-4260-BC9F-92F1C3DAF52B}" type="datetimeFigureOut">
               <a:rPr lang="zh-TW" altLang="en-US" smtClean="0"/>
               <a:pPr/>
-              <a:t>2023/10/16</a:t>
+              <a:t>2025/10/20</a:t>
             </a:fld>
             <a:endParaRPr lang="zh-TW" altLang="en-US"/>
           </a:p>
@@ -20391,7 +20569,7 @@
             <a:fld id="{4A3E55C4-1B54-4260-BC9F-92F1C3DAF52B}" type="datetimeFigureOut">
               <a:rPr lang="zh-TW" altLang="en-US" smtClean="0"/>
               <a:pPr/>
-              <a:t>2023/10/16</a:t>
+              <a:t>2025/10/20</a:t>
             </a:fld>
             <a:endParaRPr lang="zh-TW" altLang="en-US"/>
           </a:p>
@@ -20795,7 +20973,7 @@
             <a:fld id="{4A3E55C4-1B54-4260-BC9F-92F1C3DAF52B}" type="datetimeFigureOut">
               <a:rPr lang="zh-TW" altLang="en-US" smtClean="0"/>
               <a:pPr/>
-              <a:t>2023/10/16</a:t>
+              <a:t>2025/10/20</a:t>
             </a:fld>
             <a:endParaRPr lang="zh-TW" altLang="en-US"/>
           </a:p>
@@ -21516,7 +21694,7 @@
             <a:fld id="{4A3E55C4-1B54-4260-BC9F-92F1C3DAF52B}" type="datetimeFigureOut">
               <a:rPr lang="zh-TW" altLang="en-US" smtClean="0"/>
               <a:pPr/>
-              <a:t>2023/10/16</a:t>
+              <a:t>2025/10/20</a:t>
             </a:fld>
             <a:endParaRPr lang="zh-TW" altLang="en-US"/>
           </a:p>
@@ -21775,7 +21953,7 @@
             <a:fld id="{4A3E55C4-1B54-4260-BC9F-92F1C3DAF52B}" type="datetimeFigureOut">
               <a:rPr lang="zh-TW" altLang="en-US" smtClean="0"/>
               <a:pPr/>
-              <a:t>2023/10/16</a:t>
+              <a:t>2025/10/20</a:t>
             </a:fld>
             <a:endParaRPr lang="zh-TW" altLang="en-US"/>
           </a:p>
@@ -22066,7 +22244,7 @@
             <a:fld id="{4A3E55C4-1B54-4260-BC9F-92F1C3DAF52B}" type="datetimeFigureOut">
               <a:rPr lang="zh-TW" altLang="en-US" smtClean="0"/>
               <a:pPr/>
-              <a:t>2023/10/16</a:t>
+              <a:t>2025/10/20</a:t>
             </a:fld>
             <a:endParaRPr lang="zh-TW" altLang="en-US"/>
           </a:p>
@@ -22446,7 +22624,7 @@
             <a:fld id="{4A3E55C4-1B54-4260-BC9F-92F1C3DAF52B}" type="datetimeFigureOut">
               <a:rPr lang="zh-TW" altLang="en-US" smtClean="0"/>
               <a:pPr/>
-              <a:t>2023/10/16</a:t>
+              <a:t>2025/10/20</a:t>
             </a:fld>
             <a:endParaRPr lang="zh-TW" altLang="en-US"/>
           </a:p>
@@ -23910,6 +24088,11 @@
           </p:cNvGraphicFramePr>
           <p:nvPr>
             <p:ph idx="1"/>
+            <p:extLst>
+              <p:ext uri="{D42A27DB-BD31-4B8C-83A1-F6EECF244321}">
+                <p14:modId xmlns:p14="http://schemas.microsoft.com/office/powerpoint/2010/main" val="74812898"/>
+              </p:ext>
+            </p:extLst>
           </p:nvPr>
         </p:nvGraphicFramePr>
         <p:xfrm>
@@ -25340,8 +25523,51 @@
           <a:lstStyle/>
           <a:p>
             <a:r>
-              <a:rPr lang="zh-TW" altLang="en-US" dirty="0" smtClean="0"/>
-              <a:t>單點登錄</a:t>
+              <a:rPr lang="en-US" altLang="zh-TW" dirty="0" smtClean="0">
+                <a:solidFill>
+                  <a:srgbClr val="FF0000"/>
+                </a:solidFill>
+              </a:rPr>
+              <a:t>4.2.1</a:t>
+            </a:r>
+            <a:r>
+              <a:rPr lang="en-US" altLang="zh-TW" dirty="0" smtClean="0">
+                <a:solidFill>
+                  <a:srgbClr val="0000FF"/>
+                </a:solidFill>
+              </a:rPr>
+              <a:t> </a:t>
+            </a:r>
+            <a:r>
+              <a:rPr lang="zh-TW" altLang="en-US" dirty="0" smtClean="0">
+                <a:solidFill>
+                  <a:srgbClr val="0000FF"/>
+                </a:solidFill>
+              </a:rPr>
+              <a:t>單</a:t>
+            </a:r>
+            <a:r>
+              <a:rPr lang="zh-TW" altLang="en-US" dirty="0" smtClean="0">
+                <a:solidFill>
+                  <a:srgbClr val="0000FF"/>
+                </a:solidFill>
+              </a:rPr>
+              <a:t>點</a:t>
+            </a:r>
+            <a:r>
+              <a:rPr lang="zh-TW" altLang="en-US" dirty="0" smtClean="0">
+                <a:solidFill>
+                  <a:srgbClr val="0000FF"/>
+                </a:solidFill>
+              </a:rPr>
+              <a:t>登錄 </a:t>
+            </a:r>
+            <a:r>
+              <a:rPr lang="en-US" altLang="zh-TW" sz="4000" dirty="0">
+                <a:latin typeface="標楷體" panose="03000509000000000000" pitchFamily="65" charset="-120"/>
+                <a:ea typeface="標楷體" panose="03000509000000000000" pitchFamily="65" charset="-120"/>
+              </a:rPr>
+              <a:t>Single sign on</a:t>
             </a:r>
             <a:endParaRPr lang="zh-TW" altLang="en-US" dirty="0"/>
           </a:p>
@@ -34109,6 +34335,50 @@
           </a:fontRef>
         </p:style>
       </p:cxnSp>
+      <p:sp>
+        <p:nvSpPr>
+          <p:cNvPr id="2" name="矩形 1"/>
+          <p:cNvSpPr/>
+          <p:nvPr/>
+        </p:nvSpPr>
+        <p:spPr>
+          <a:xfrm>
+            <a:off x="6786578" y="139042"/>
+            <a:ext cx="1143008" cy="265622"/>
+          </a:xfrm>
+          <a:prstGeom prst="rect">
+            <a:avLst/>
+          </a:prstGeom>
+        </p:spPr>
+        <p:style>
+          <a:lnRef idx="2">
+            <a:schemeClr val="accent1">
+              <a:shade val="50000"/>
+            </a:schemeClr>
+          </a:lnRef>
+          <a:fillRef idx="1">
+            <a:schemeClr val="accent1"/>
+          </a:fillRef>
+          <a:effectRef idx="0">
+            <a:schemeClr val="accent1"/>
+          </a:effectRef>
+          <a:fontRef idx="minor">
+            <a:schemeClr val="lt1"/>
+          </a:fontRef>
+        </p:style>
+        <p:txBody>
+          <a:bodyPr rtlCol="0" anchor="ctr"/>
+          <a:lstStyle/>
+          <a:p>
+            <a:pPr algn="ctr"/>
+            <a:r>
+              <a:rPr lang="en-US" altLang="zh-TW" dirty="0" smtClean="0"/>
+              <a:t>KDC</a:t>
+            </a:r>
+            <a:endParaRPr lang="zh-TW" altLang="en-US" dirty="0"/>
+          </a:p>
+        </p:txBody>
+      </p:sp>
     </p:spTree>
   </p:cSld>
   <p:clrMapOvr>
@@ -34189,14 +34459,67 @@
             <p:ph type="title"/>
           </p:nvPr>
         </p:nvSpPr>
-        <p:spPr/>
+        <p:spPr>
+          <a:xfrm>
+            <a:off x="107504" y="320039"/>
+            <a:ext cx="8458216" cy="1346625"/>
+          </a:xfrm>
+        </p:spPr>
         <p:txBody>
-          <a:bodyPr/>
+          <a:bodyPr>
+            <a:normAutofit fontScale="90000"/>
+          </a:bodyPr>
           <a:lstStyle/>
           <a:p>
+            <a:pPr algn="ctr"/>
+            <a:r>
+              <a:rPr lang="en-US" altLang="zh-TW" dirty="0" smtClean="0"/>
+              <a:t/>
+            </a:r>
+            <a:br>
+              <a:rPr lang="en-US" altLang="zh-TW" dirty="0" smtClean="0"/>
+            </a:br>
+            <a:r>
+              <a:rPr lang="en-US" altLang="zh-TW" dirty="0" smtClean="0">
+                <a:solidFill>
+                  <a:srgbClr val="FF0000"/>
+                </a:solidFill>
+              </a:rPr>
+              <a:t>4.2.2 </a:t>
+            </a:r>
             <a:r>
               <a:rPr lang="zh-TW" altLang="en-US" dirty="0" smtClean="0"/>
-              <a:t>非同步工具產生單次密碼</a:t>
+              <a:t>身份認證專用的工具</a:t>
+            </a:r>
+            <a:r>
+              <a:rPr lang="en-US" altLang="zh-TW" dirty="0"/>
+              <a:t/>
+            </a:r>
+            <a:br>
+              <a:rPr lang="en-US" altLang="zh-TW" dirty="0"/>
+            </a:br>
+            <a:r>
+              <a:rPr lang="en-US" altLang="zh-TW" dirty="0" smtClean="0"/>
+              <a:t/>
+            </a:r>
+            <a:br>
+              <a:rPr lang="en-US" altLang="zh-TW" dirty="0" smtClean="0"/>
+            </a:br>
+            <a:r>
+              <a:rPr lang="zh-TW" altLang="en-US" dirty="0" smtClean="0"/>
+              <a:t>以</a:t>
+            </a:r>
+            <a:r>
+              <a:rPr lang="zh-TW" altLang="en-US" dirty="0" smtClean="0">
+                <a:solidFill>
+                  <a:srgbClr val="0000FF"/>
+                </a:solidFill>
+              </a:rPr>
+              <a:t>非同步</a:t>
+            </a:r>
+            <a:r>
+              <a:rPr lang="zh-TW" altLang="en-US" dirty="0"/>
+              <a:t>工具產生單次密碼為例</a:t>
             </a:r>
             <a:endParaRPr lang="zh-TW" altLang="en-US" dirty="0"/>
           </a:p>
@@ -36543,9 +36866,21 @@
               <a:rPr lang="zh-TW" altLang="en-US" dirty="0" smtClean="0">
                 <a:latin typeface="Calibri" pitchFamily="34" charset="0"/>
               </a:rPr>
-              <a:t>使用者向身分認證伺服器要求登入</a:t>
+              <a:t>使用者向身分認證伺服器</a:t>
+            </a:r>
+            <a:r>
+              <a:rPr lang="zh-TW" altLang="en-US" dirty="0" smtClean="0">
+                <a:solidFill>
+                  <a:srgbClr val="FF0000"/>
+                </a:solidFill>
+                <a:latin typeface="Calibri" pitchFamily="34" charset="0"/>
+              </a:rPr>
+              <a:t>要求登入</a:t>
             </a:r>
             <a:endParaRPr lang="zh-TW" altLang="en-US" dirty="0">
+              <a:solidFill>
+                <a:srgbClr val="FF0000"/>
+              </a:solidFill>
               <a:latin typeface="Calibri" pitchFamily="34" charset="0"/>
             </a:endParaRPr>
           </a:p>
@@ -36583,7 +36918,22 @@
               <a:rPr lang="zh-TW" altLang="en-US" dirty="0" smtClean="0">
                 <a:latin typeface="Calibri" pitchFamily="34" charset="0"/>
               </a:rPr>
-              <a:t>身分認證伺服器產生一組挑戰隨機碼給使用者</a:t>
+              <a:t>身分認證伺服器產生一組</a:t>
+            </a:r>
+            <a:r>
+              <a:rPr lang="zh-TW" altLang="en-US" dirty="0" smtClean="0">
+                <a:solidFill>
+                  <a:srgbClr val="FF0000"/>
+                </a:solidFill>
+                <a:latin typeface="Calibri" pitchFamily="34" charset="0"/>
+              </a:rPr>
+              <a:t>挑戰隨機碼</a:t>
+            </a:r>
+            <a:r>
+              <a:rPr lang="zh-TW" altLang="en-US" dirty="0" smtClean="0">
+                <a:latin typeface="Calibri" pitchFamily="34" charset="0"/>
+              </a:rPr>
+              <a:t>給使用者</a:t>
             </a:r>
             <a:endParaRPr lang="zh-TW" altLang="en-US" dirty="0">
               <a:latin typeface="Calibri" pitchFamily="34" charset="0"/>
@@ -36623,9 +36973,21 @@
               <a:rPr lang="zh-TW" altLang="en-US" dirty="0" smtClean="0">
                 <a:latin typeface="Calibri" pitchFamily="34" charset="0"/>
               </a:rPr>
-              <a:t>使用者將挑戰隨機碼輸入手持式電子認證工具</a:t>
+              <a:t>使用者將挑戰隨機碼</a:t>
+            </a:r>
+            <a:r>
+              <a:rPr lang="zh-TW" altLang="en-US" dirty="0" smtClean="0">
+                <a:solidFill>
+                  <a:srgbClr val="FF0000"/>
+                </a:solidFill>
+                <a:latin typeface="Calibri" pitchFamily="34" charset="0"/>
+              </a:rPr>
+              <a:t>輸入手持式電子認證工具</a:t>
             </a:r>
             <a:endParaRPr lang="zh-TW" altLang="en-US" dirty="0">
+              <a:solidFill>
+                <a:srgbClr val="FF0000"/>
+              </a:solidFill>
               <a:latin typeface="Calibri" pitchFamily="34" charset="0"/>
             </a:endParaRPr>
           </a:p>
@@ -36663,7 +37025,22 @@
               <a:rPr lang="zh-TW" altLang="en-US" dirty="0" smtClean="0">
                 <a:latin typeface="Calibri" pitchFamily="34" charset="0"/>
               </a:rPr>
-              <a:t>手持式電子認證工具以密碼學計算回應值 </a:t>
+              <a:t>手持式電子認證工具以密碼學</a:t>
+            </a:r>
+            <a:r>
+              <a:rPr lang="zh-TW" altLang="en-US" dirty="0" smtClean="0">
+                <a:solidFill>
+                  <a:srgbClr val="FF0000"/>
+                </a:solidFill>
+                <a:latin typeface="Calibri" pitchFamily="34" charset="0"/>
+              </a:rPr>
+              <a:t>計算回應值</a:t>
+            </a:r>
+            <a:r>
+              <a:rPr lang="zh-TW" altLang="en-US" dirty="0" smtClean="0">
+                <a:latin typeface="Calibri" pitchFamily="34" charset="0"/>
+              </a:rPr>
+              <a:t> </a:t>
             </a:r>
             <a:r>
               <a:rPr lang="en-US" altLang="zh-TW" dirty="0" smtClean="0">
@@ -36721,7 +37098,22 @@
               <a:rPr lang="zh-TW" altLang="en-US" dirty="0" smtClean="0">
                 <a:latin typeface="Calibri" pitchFamily="34" charset="0"/>
               </a:rPr>
-              <a:t>使用者將通關密碼送給身分認證伺服器</a:t>
+              <a:t>使用者將</a:t>
+            </a:r>
+            <a:r>
+              <a:rPr lang="zh-TW" altLang="en-US" dirty="0" smtClean="0">
+                <a:solidFill>
+                  <a:srgbClr val="FF0000"/>
+                </a:solidFill>
+                <a:latin typeface="Calibri" pitchFamily="34" charset="0"/>
+              </a:rPr>
+              <a:t>通關密碼</a:t>
+            </a:r>
+            <a:r>
+              <a:rPr lang="zh-TW" altLang="en-US" dirty="0" smtClean="0">
+                <a:latin typeface="Calibri" pitchFamily="34" charset="0"/>
+              </a:rPr>
+              <a:t>送給身分認證伺服器</a:t>
             </a:r>
             <a:endParaRPr lang="zh-TW" altLang="en-US" dirty="0">
               <a:latin typeface="Calibri" pitchFamily="34" charset="0"/>
@@ -36826,10 +37218,19 @@
           <a:p>
             <a:pPr algn="ctr"/>
             <a:r>
+              <a:rPr lang="zh-TW" altLang="en-US" b="1" dirty="0" smtClean="0">
+                <a:solidFill>
+                  <a:srgbClr val="FF0000"/>
+                </a:solidFill>
+                <a:latin typeface="Calibri" pitchFamily="34" charset="0"/>
+              </a:rPr>
+              <a:t>認證</a:t>
+            </a:r>
+            <a:r>
               <a:rPr lang="zh-TW" altLang="en-US" dirty="0" smtClean="0">
                 <a:latin typeface="Calibri" pitchFamily="34" charset="0"/>
               </a:rPr>
-              <a:t>認證伺服器</a:t>
+              <a:t>伺服器</a:t>
             </a:r>
             <a:endParaRPr lang="zh-TW" altLang="en-US" dirty="0">
               <a:latin typeface="Calibri" pitchFamily="34" charset="0"/>
@@ -36861,10 +37262,19 @@
           <a:p>
             <a:pPr algn="ctr"/>
             <a:r>
+              <a:rPr lang="zh-TW" altLang="en-US" b="1" dirty="0" smtClean="0">
+                <a:solidFill>
+                  <a:srgbClr val="0000FF"/>
+                </a:solidFill>
+                <a:latin typeface="Calibri" pitchFamily="34" charset="0"/>
+              </a:rPr>
+              <a:t>應用</a:t>
+            </a:r>
+            <a:r>
               <a:rPr lang="zh-TW" altLang="en-US" dirty="0" smtClean="0">
                 <a:latin typeface="Calibri" pitchFamily="34" charset="0"/>
               </a:rPr>
-              <a:t>應用伺服器</a:t>
+              <a:t>伺服器</a:t>
             </a:r>
             <a:endParaRPr lang="zh-TW" altLang="en-US" dirty="0">
               <a:latin typeface="Calibri" pitchFamily="34" charset="0"/>
@@ -36992,7 +37402,31 @@
             </a:r>
             <a:r>
               <a:rPr lang="zh-TW" altLang="en-US" dirty="0" smtClean="0"/>
-              <a:t>：電子代符與身分認證伺服器之間保持精準的時間同步，因此在同一個時間，電子代符上顯示的數字 </a:t>
+              <a:t>：</a:t>
+            </a:r>
+            <a:r>
+              <a:rPr lang="zh-TW" altLang="en-US" dirty="0" smtClean="0">
+                <a:solidFill>
+                  <a:srgbClr val="0000FF"/>
+                </a:solidFill>
+              </a:rPr>
+              <a:t>電子代符</a:t>
+            </a:r>
+            <a:r>
+              <a:rPr lang="zh-TW" altLang="en-US" dirty="0" smtClean="0"/>
+              <a:t>與</a:t>
+            </a:r>
+            <a:r>
+              <a:rPr lang="zh-TW" altLang="en-US" dirty="0" smtClean="0">
+                <a:solidFill>
+                  <a:srgbClr val="0000FF"/>
+                </a:solidFill>
+              </a:rPr>
+              <a:t>身分認證伺服器</a:t>
+            </a:r>
+            <a:r>
+              <a:rPr lang="zh-TW" altLang="en-US" dirty="0" smtClean="0"/>
+              <a:t>之間保持精準的時間同步，因此在同一個時間，電子代符上顯示的數字 </a:t>
             </a:r>
             <a:r>
               <a:rPr lang="en-US" altLang="zh-TW" dirty="0" smtClean="0"/>
@@ -37029,8 +37463,24 @@
           <a:lstStyle/>
           <a:p>
             <a:r>
+              <a:rPr lang="zh-TW" altLang="en-US" dirty="0"/>
+              <a:t>以</a:t>
+            </a:r>
+            <a:r>
+              <a:rPr lang="zh-TW" altLang="en-US" dirty="0" smtClean="0">
+                <a:solidFill>
+                  <a:srgbClr val="0000FF"/>
+                </a:solidFill>
+              </a:rPr>
+              <a:t>同步</a:t>
+            </a:r>
+            <a:r>
               <a:rPr lang="zh-TW" altLang="en-US" dirty="0" smtClean="0"/>
-              <a:t>同步電子代符</a:t>
+              <a:t>電子代</a:t>
+            </a:r>
+            <a:r>
+              <a:rPr lang="zh-TW" altLang="en-US" dirty="0" smtClean="0"/>
+              <a:t>符為例</a:t>
             </a:r>
             <a:endParaRPr lang="zh-TW" altLang="en-US" dirty="0"/>
           </a:p>
@@ -37441,7 +37891,7 @@
           <a:p>
             <a:pPr algn="ctr"/>
             <a:r>
-              <a:rPr lang="zh-TW" altLang="en-US" dirty="0">
+              <a:rPr lang="zh-TW" altLang="en-US" dirty="0" smtClean="0">
                 <a:solidFill>
                   <a:srgbClr val="0000FF"/>
                 </a:solidFill>
@@ -37449,7 +37899,7 @@
               <a:t>第</a:t>
             </a:r>
             <a:r>
-              <a:rPr lang="en-US" altLang="zh-TW" dirty="0">
+              <a:rPr lang="en-US" altLang="zh-TW" dirty="0" smtClean="0">
                 <a:solidFill>
                   <a:srgbClr val="0000FF"/>
                 </a:solidFill>
@@ -37457,7 +37907,7 @@
               <a:t>5</a:t>
             </a:r>
             <a:r>
-              <a:rPr lang="zh-TW" altLang="en-US" dirty="0">
+              <a:rPr lang="zh-TW" altLang="en-US" dirty="0" smtClean="0">
                 <a:solidFill>
                   <a:srgbClr val="0000FF"/>
                 </a:solidFill>
@@ -37795,6 +38245,18 @@
           <a:bodyPr/>
           <a:lstStyle/>
           <a:p>
+            <a:r>
+              <a:rPr lang="en-US" altLang="zh-TW" dirty="0" smtClean="0">
+                <a:solidFill>
+                  <a:srgbClr val="FF0000"/>
+                </a:solidFill>
+              </a:rPr>
+              <a:t>4.2.3</a:t>
+            </a:r>
+            <a:r>
+              <a:rPr lang="en-US" altLang="zh-TW" dirty="0" smtClean="0"/>
+              <a:t> </a:t>
+            </a:r>
             <a:r>
               <a:rPr lang="zh-TW" altLang="en-US" dirty="0" smtClean="0"/>
               <a:t>智慧卡</a:t>
@@ -39503,7 +39965,22 @@
               <a:rPr lang="zh-TW" altLang="en-US" dirty="0" smtClean="0">
                 <a:cs typeface="Arial" pitchFamily="34" charset="0"/>
               </a:rPr>
-              <a:t> 這行指令所需花費的時間比其它指令都長，因為它做一個判斷</a:t>
+              <a:t> </a:t>
+            </a:r>
+            <a:r>
+              <a:rPr lang="zh-TW" altLang="en-US" dirty="0" smtClean="0">
+                <a:solidFill>
+                  <a:srgbClr val="FF0000"/>
+                </a:solidFill>
+                <a:cs typeface="Arial" pitchFamily="34" charset="0"/>
+              </a:rPr>
+              <a:t>這行指令所需花費的時間比其它指令都長</a:t>
+            </a:r>
+            <a:r>
+              <a:rPr lang="zh-TW" altLang="en-US" dirty="0" smtClean="0">
+                <a:cs typeface="Arial" pitchFamily="34" charset="0"/>
+              </a:rPr>
+              <a:t>，因為它做一個判斷</a:t>
             </a:r>
             <a:r>
               <a:rPr lang="en-US" altLang="zh-TW" dirty="0" smtClean="0">
@@ -39575,22 +40052,40 @@
               <a:rPr lang="zh-TW" altLang="en-US" dirty="0" smtClean="0">
                 <a:cs typeface="Arial" pitchFamily="34" charset="0"/>
               </a:rPr>
-              <a:t>調高，例如從標準的</a:t>
+              <a:t>調高，例如</a:t>
+            </a:r>
+            <a:r>
+              <a:rPr lang="zh-TW" altLang="en-US" dirty="0" smtClean="0">
+                <a:solidFill>
+                  <a:srgbClr val="0000FF"/>
+                </a:solidFill>
+                <a:cs typeface="Arial" pitchFamily="34" charset="0"/>
+              </a:rPr>
+              <a:t>從標準的</a:t>
             </a:r>
             <a:r>
               <a:rPr lang="en-US" altLang="zh-TW" dirty="0" smtClean="0">
+                <a:solidFill>
+                  <a:srgbClr val="0000FF"/>
+                </a:solidFill>
                 <a:cs typeface="Arial" pitchFamily="34" charset="0"/>
               </a:rPr>
               <a:t>5MHz</a:t>
             </a:r>
             <a:r>
               <a:rPr lang="zh-TW" altLang="en-US" dirty="0" smtClean="0">
+                <a:solidFill>
+                  <a:srgbClr val="0000FF"/>
+                </a:solidFill>
                 <a:cs typeface="Arial" pitchFamily="34" charset="0"/>
               </a:rPr>
               <a:t>調升到</a:t>
             </a:r>
             <a:r>
               <a:rPr lang="en-US" altLang="zh-TW" dirty="0" smtClean="0">
+                <a:solidFill>
+                  <a:srgbClr val="0000FF"/>
+                </a:solidFill>
                 <a:cs typeface="Arial" pitchFamily="34" charset="0"/>
               </a:rPr>
               <a:t>10MHz</a:t>
@@ -39943,7 +40438,39 @@
             </a:r>
             <a:r>
               <a:rPr lang="zh-TW" altLang="en-US" dirty="0" smtClean="0"/>
-              <a:t>包括指紋、視網膜等身體特徵。</a:t>
+              <a:t>包括指紋、</a:t>
+            </a:r>
+            <a:r>
+              <a:rPr lang="zh-TW" altLang="en-US" dirty="0" smtClean="0"/>
+              <a:t>視網膜</a:t>
+            </a:r>
+            <a:r>
+              <a:rPr lang="zh-TW" altLang="en-US" dirty="0"/>
+              <a:t>血管</a:t>
+            </a:r>
+            <a:r>
+              <a:rPr lang="zh-TW" altLang="en-US" dirty="0" smtClean="0"/>
+              <a:t>分佈</a:t>
+            </a:r>
+            <a:r>
+              <a:rPr lang="zh-TW" altLang="en-US" dirty="0"/>
+              <a:t>、</a:t>
+            </a:r>
+            <a:r>
+              <a:rPr lang="zh-TW" altLang="en-US" dirty="0" smtClean="0"/>
+              <a:t>虹膜</a:t>
+            </a:r>
+            <a:r>
+              <a:rPr lang="zh-TW" altLang="en-US" dirty="0"/>
+              <a:t>組織紋理等</a:t>
+            </a:r>
+            <a:r>
+              <a:rPr lang="zh-TW" altLang="en-US" dirty="0" smtClean="0"/>
+              <a:t>身體特徵</a:t>
+            </a:r>
+            <a:r>
+              <a:rPr lang="zh-TW" altLang="en-US" dirty="0" smtClean="0"/>
+              <a:t>。</a:t>
             </a:r>
             <a:endParaRPr lang="en-US" altLang="zh-TW" dirty="0" smtClean="0"/>
           </a:p>
@@ -39959,7 +40486,19 @@
             </a:r>
             <a:r>
               <a:rPr lang="zh-TW" altLang="en-US" dirty="0" smtClean="0"/>
-              <a:t>包括聲音、</a:t>
+              <a:t>包括</a:t>
+            </a:r>
+            <a:r>
+              <a:rPr lang="zh-TW" altLang="en-US" dirty="0" smtClean="0">
+                <a:solidFill>
+                  <a:srgbClr val="0000FF"/>
+                </a:solidFill>
+              </a:rPr>
+              <a:t>聲音</a:t>
+            </a:r>
+            <a:r>
+              <a:rPr lang="zh-TW" altLang="en-US" dirty="0" smtClean="0"/>
+              <a:t>、</a:t>
             </a:r>
             <a:r>
               <a:rPr lang="zh-TW" altLang="en-US" dirty="0" smtClean="0">
@@ -39973,12 +40512,28 @@
               <a:rPr lang="zh-TW" altLang="en-US" dirty="0" smtClean="0"/>
               <a:t>等行為特徵。</a:t>
             </a:r>
-            <a:endParaRPr lang="en-US" altLang="zh-TW" dirty="0" smtClean="0"/>
+            <a:r>
+              <a:rPr lang="zh-TW" altLang="en-US" dirty="0" smtClean="0">
+                <a:solidFill>
+                  <a:srgbClr val="0000FF"/>
+                </a:solidFill>
+              </a:rPr>
+              <a:t>臉部辨識</a:t>
+            </a:r>
+            <a:endParaRPr lang="en-US" altLang="zh-TW" dirty="0" smtClean="0">
+              <a:solidFill>
+                <a:srgbClr val="0000FF"/>
+              </a:solidFill>
+            </a:endParaRPr>
           </a:p>
           <a:p>
             <a:r>
               <a:rPr lang="zh-TW" altLang="en-US" sz="2000" dirty="0" smtClean="0"/>
-              <a:t>採用生物特徵辨識系統時應注意以下事項：</a:t>
+              <a:t>採用</a:t>
+            </a:r>
+            <a:r>
+              <a:rPr lang="zh-TW" altLang="en-US" sz="2000" dirty="0" smtClean="0"/>
+              <a:t>生物特徵辨識系統時應注意以下事項：</a:t>
             </a:r>
             <a:endParaRPr lang="en-US" altLang="zh-TW" sz="2000" dirty="0" smtClean="0"/>
           </a:p>
@@ -40056,8 +40611,24 @@
           <a:lstStyle/>
           <a:p>
             <a:r>
+              <a:rPr lang="en-US" altLang="zh-TW" dirty="0" smtClean="0">
+                <a:solidFill>
+                  <a:srgbClr val="FF0000"/>
+                </a:solidFill>
+              </a:rPr>
+              <a:t>4.2.4</a:t>
+            </a:r>
+            <a:r>
+              <a:rPr lang="en-US" altLang="zh-TW" dirty="0" smtClean="0"/>
+              <a:t> </a:t>
+            </a:r>
+            <a:r>
               <a:rPr lang="zh-TW" altLang="en-US" dirty="0" smtClean="0"/>
-              <a:t>生物特徵認證</a:t>
+              <a:t>生物</a:t>
+            </a:r>
+            <a:r>
+              <a:rPr lang="zh-TW" altLang="en-US" dirty="0" smtClean="0"/>
+              <a:t>特徵認證</a:t>
             </a:r>
             <a:endParaRPr lang="zh-TW" altLang="en-US" dirty="0"/>
           </a:p>
@@ -41434,15 +42005,57 @@
                 <a:latin typeface="標楷體" panose="03000509000000000000" pitchFamily="65" charset="-120"/>
                 <a:ea typeface="標楷體" panose="03000509000000000000" pitchFamily="65" charset="-120"/>
               </a:rPr>
-              <a:t>資料存取控制</a:t>
-            </a:r>
-            <a:endParaRPr lang="en-US" altLang="zh-TW" sz="4400" dirty="0">
-              <a:solidFill>
-                <a:srgbClr val="FF0000"/>
-              </a:solidFill>
-              <a:latin typeface="標楷體" panose="03000509000000000000" pitchFamily="65" charset="-120"/>
-              <a:ea typeface="標楷體" panose="03000509000000000000" pitchFamily="65" charset="-120"/>
-            </a:endParaRPr>
+              <a:t>資料存取</a:t>
+            </a:r>
+            <a:r>
+              <a:rPr lang="zh-TW" altLang="en-US" sz="4400" dirty="0" smtClean="0">
+                <a:solidFill>
+                  <a:srgbClr val="FF0000"/>
+                </a:solidFill>
+                <a:latin typeface="標楷體" panose="03000509000000000000" pitchFamily="65" charset="-120"/>
+                <a:ea typeface="標楷體" panose="03000509000000000000" pitchFamily="65" charset="-120"/>
+              </a:rPr>
+              <a:t>控制</a:t>
+            </a:r>
+            <a:r>
+              <a:rPr lang="en-US" altLang="zh-TW" sz="4400" dirty="0" smtClean="0">
+                <a:solidFill>
+                  <a:srgbClr val="FF0000"/>
+                </a:solidFill>
+                <a:latin typeface="標楷體" panose="03000509000000000000" pitchFamily="65" charset="-120"/>
+                <a:ea typeface="標楷體" panose="03000509000000000000" pitchFamily="65" charset="-120"/>
+              </a:rPr>
+              <a:t/>
+            </a:r>
+            <a:br>
+              <a:rPr lang="en-US" altLang="zh-TW" sz="4400" dirty="0" smtClean="0">
+                <a:solidFill>
+                  <a:srgbClr val="FF0000"/>
+                </a:solidFill>
+                <a:latin typeface="標楷體" panose="03000509000000000000" pitchFamily="65" charset="-120"/>
+                <a:ea typeface="標楷體" panose="03000509000000000000" pitchFamily="65" charset="-120"/>
+              </a:rPr>
+            </a:br>
+            <a:r>
+              <a:rPr lang="en-US" altLang="zh-TW" sz="4400" dirty="0" smtClean="0">
+                <a:solidFill>
+                  <a:srgbClr val="0000FF"/>
+                </a:solidFill>
+                <a:latin typeface="標楷體" panose="03000509000000000000" pitchFamily="65" charset="-120"/>
+                <a:ea typeface="標楷體" panose="03000509000000000000" pitchFamily="65" charset="-120"/>
+              </a:rPr>
+              <a:t>Access </a:t>
+            </a:r>
+            <a:r>
+              <a:rPr lang="en-US" altLang="zh-TW" sz="4400" dirty="0">
+                <a:solidFill>
+                  <a:srgbClr val="0000FF"/>
+                </a:solidFill>
+                <a:latin typeface="標楷體" panose="03000509000000000000" pitchFamily="65" charset="-120"/>
+                <a:ea typeface="標楷體" panose="03000509000000000000" pitchFamily="65" charset="-120"/>
+              </a:rPr>
+              <a:t>Control</a:t>
+            </a:r>
           </a:p>
         </p:txBody>
       </p:sp>
@@ -41576,8 +42189,20 @@
           <a:lstStyle/>
           <a:p>
             <a:r>
+              <a:rPr lang="en-US" altLang="zh-TW" dirty="0" smtClean="0">
+                <a:solidFill>
+                  <a:srgbClr val="FF0000"/>
+                </a:solidFill>
+              </a:rPr>
+              <a:t>1).</a:t>
+            </a:r>
+            <a:r>
               <a:rPr lang="zh-TW" altLang="en-US" dirty="0" smtClean="0"/>
-              <a:t>存取控制目錄</a:t>
+              <a:t>存取</a:t>
+            </a:r>
+            <a:r>
+              <a:rPr lang="zh-TW" altLang="en-US" dirty="0" smtClean="0"/>
+              <a:t>控制目錄</a:t>
             </a:r>
             <a:endParaRPr lang="zh-TW" altLang="en-US" dirty="0"/>
           </a:p>
@@ -42472,6 +43097,14 @@
           <a:bodyPr/>
           <a:lstStyle/>
           <a:p>
+            <a:r>
+              <a:rPr lang="en-US" altLang="zh-TW" dirty="0" smtClean="0">
+                <a:solidFill>
+                  <a:srgbClr val="FF0000"/>
+                </a:solidFill>
+              </a:rPr>
+              <a:t>2).</a:t>
+            </a:r>
             <a:r>
               <a:rPr lang="zh-TW" altLang="en-US" dirty="0" smtClean="0">
                 <a:solidFill>
@@ -46593,6 +47226,14 @@
           <a:lstStyle/>
           <a:p>
             <a:r>
+              <a:rPr lang="en-US" altLang="zh-TW" dirty="0" smtClean="0">
+                <a:solidFill>
+                  <a:srgbClr val="FF0000"/>
+                </a:solidFill>
+              </a:rPr>
+              <a:t>3.)</a:t>
+            </a:r>
+            <a:r>
               <a:rPr lang="zh-TW" altLang="en-US" dirty="0" smtClean="0">
                 <a:solidFill>
                   <a:srgbClr val="FF0000"/>
@@ -46765,11 +47406,19 @@
           <a:lstStyle/>
           <a:p>
             <a:r>
-              <a:rPr lang="zh-TW" altLang="en-US" sz="2000" dirty="0" smtClean="0"/>
+              <a:rPr lang="zh-TW" altLang="en-US" sz="2000" dirty="0" smtClean="0">
+                <a:solidFill>
+                  <a:srgbClr val="FF0000"/>
+                </a:solidFill>
+              </a:rPr>
               <a:t>稽核追蹤 </a:t>
             </a:r>
             <a:r>
-              <a:rPr lang="en-US" altLang="zh-TW" sz="2000" dirty="0" smtClean="0"/>
+              <a:rPr lang="en-US" altLang="zh-TW" sz="2000" dirty="0" smtClean="0">
+                <a:solidFill>
+                  <a:srgbClr val="FF0000"/>
+                </a:solidFill>
+              </a:rPr>
               <a:t>(audit trail) </a:t>
             </a:r>
             <a:r>
@@ -46781,14 +47430,38 @@
           <a:p>
             <a:r>
               <a:rPr lang="zh-TW" altLang="en-US" sz="2000" dirty="0" smtClean="0"/>
-              <a:t>稽核追蹤依時間性記錄系統上的所有活動，藉由對系列活動的重整與判讀，就能找出可能的入侵行為或其他資訊安全事件。</a:t>
+              <a:t>稽核追蹤依時間性記錄系統上的所有活動，藉由對系列活動的重整與判讀，就能</a:t>
+            </a:r>
+            <a:r>
+              <a:rPr lang="zh-TW" altLang="en-US" sz="2000" dirty="0" smtClean="0">
+                <a:solidFill>
+                  <a:srgbClr val="0000FF"/>
+                </a:solidFill>
+              </a:rPr>
+              <a:t>找出可能的入侵行為</a:t>
+            </a:r>
+            <a:r>
+              <a:rPr lang="zh-TW" altLang="en-US" sz="2000" dirty="0" smtClean="0"/>
+              <a:t>或其他資訊安全事件。</a:t>
             </a:r>
             <a:endParaRPr lang="en-US" altLang="zh-TW" sz="2000" dirty="0" smtClean="0"/>
           </a:p>
           <a:p>
             <a:r>
               <a:rPr lang="zh-TW" altLang="en-US" sz="2000" dirty="0" smtClean="0"/>
-              <a:t>記錄資料應包括系統、網路、應用程式、與使用者的各種活動。</a:t>
+              <a:t>記錄資料應包括</a:t>
+            </a:r>
+            <a:r>
+              <a:rPr lang="zh-TW" altLang="en-US" sz="2000" dirty="0" smtClean="0">
+                <a:solidFill>
+                  <a:srgbClr val="0000FF"/>
+                </a:solidFill>
+              </a:rPr>
+              <a:t>系統、網路、應用程式</a:t>
+            </a:r>
+            <a:r>
+              <a:rPr lang="zh-TW" altLang="en-US" sz="2000" dirty="0" smtClean="0"/>
+              <a:t>、與使用者的各種活動。</a:t>
             </a:r>
             <a:endParaRPr lang="en-US" altLang="zh-TW" sz="2000" dirty="0" smtClean="0"/>
           </a:p>
@@ -46802,7 +47475,19 @@
           <a:p>
             <a:r>
               <a:rPr lang="zh-TW" altLang="en-US" sz="2000" dirty="0" smtClean="0"/>
-              <a:t>記錄資料量通常極大，遠超過系統管理員所能判讀，因此需要設定一些過濾機制。</a:t>
+              <a:t>記錄資料量通常極大，遠超過系統管理員所能判讀，因此</a:t>
+            </a:r>
+            <a:r>
+              <a:rPr lang="zh-TW" altLang="en-US" sz="2000" dirty="0" smtClean="0">
+                <a:solidFill>
+                  <a:srgbClr val="0000FF"/>
+                </a:solidFill>
+              </a:rPr>
+              <a:t>需要設定一些過濾機制</a:t>
+            </a:r>
+            <a:r>
+              <a:rPr lang="zh-TW" altLang="en-US" sz="2000" dirty="0" smtClean="0"/>
+              <a:t>。</a:t>
             </a:r>
             <a:endParaRPr lang="en-US" altLang="zh-TW" sz="2000" dirty="0" smtClean="0"/>
           </a:p>
@@ -47705,12 +48390,20 @@
               </a:spcBef>
             </a:pPr>
             <a:r>
+              <a:rPr lang="zh-TW" altLang="en-US" u="sng" dirty="0" smtClean="0">
+                <a:solidFill>
+                  <a:srgbClr val="C00000"/>
+                </a:solidFill>
+              </a:rPr>
+              <a:t>外部測試時，測試人員扮演一位從外部入侵的駭客</a:t>
+            </a:r>
+            <a:r>
               <a:rPr lang="zh-TW" altLang="en-US" dirty="0" smtClean="0">
                 <a:solidFill>
                   <a:srgbClr val="C00000"/>
                 </a:solidFill>
               </a:rPr>
-              <a:t>外部測試時，測試人員扮演一位從外部入侵的駭客。</a:t>
+              <a:t>。</a:t>
             </a:r>
             <a:endParaRPr lang="en-US" altLang="zh-TW" dirty="0" smtClean="0">
               <a:solidFill>
@@ -47785,12 +48478,20 @@
               </a:spcBef>
             </a:pPr>
             <a:r>
+              <a:rPr lang="zh-TW" altLang="en-US" u="sng" dirty="0" smtClean="0">
+                <a:solidFill>
+                  <a:srgbClr val="C00000"/>
+                </a:solidFill>
+              </a:rPr>
+              <a:t>內部測試時，測試人員扮演一位內部人員</a:t>
+            </a:r>
+            <a:r>
               <a:rPr lang="zh-TW" altLang="en-US" dirty="0" smtClean="0">
                 <a:solidFill>
                   <a:srgbClr val="C00000"/>
                 </a:solidFill>
               </a:rPr>
-              <a:t>內部測試時，測試人員扮演一位內部人員。</a:t>
+              <a:t>。</a:t>
             </a:r>
             <a:endParaRPr lang="en-US" altLang="zh-TW" dirty="0" smtClean="0">
               <a:solidFill>
@@ -48499,7 +49200,11 @@
           <a:p>
             <a:r>
               <a:rPr lang="zh-TW" altLang="en-US" dirty="0" smtClean="0"/>
-              <a:t>存取控制的</a:t>
+              <a:t>存取</a:t>
+            </a:r>
+            <a:r>
+              <a:rPr lang="zh-TW" altLang="en-US" dirty="0" smtClean="0"/>
+              <a:t>控制須滿足以下的</a:t>
             </a:r>
             <a:r>
               <a:rPr lang="zh-TW" altLang="en-US" dirty="0" smtClean="0">
@@ -48571,7 +49276,7 @@
             <p:ph idx="1"/>
             <p:extLst>
               <p:ext uri="{D42A27DB-BD31-4B8C-83A1-F6EECF244321}">
-                <p14:modId xmlns:p14="http://schemas.microsoft.com/office/powerpoint/2010/main" val="324507264"/>
+                <p14:modId xmlns:p14="http://schemas.microsoft.com/office/powerpoint/2010/main" val="674537208"/>
               </p:ext>
             </p:extLst>
           </p:nvPr>
@@ -48617,8 +49322,8 @@
         </p:nvSpPr>
         <p:spPr>
           <a:xfrm>
-            <a:off x="5436096" y="156018"/>
-            <a:ext cx="2952328" cy="1008112"/>
+            <a:off x="5436096" y="156017"/>
+            <a:ext cx="2952328" cy="1201295"/>
           </a:xfrm>
           <a:prstGeom prst="rect">
             <a:avLst/>
@@ -48650,15 +49355,11 @@
             <a:pPr algn="ctr"/>
             <a:r>
               <a:rPr lang="zh-TW" altLang="en-US" dirty="0" smtClean="0"/>
-              <a:t>高階人員</a:t>
+              <a:t>一般情況</a:t>
             </a:r>
             <a:r>
               <a:rPr lang="en-US" altLang="zh-TW" dirty="0" smtClean="0"/>
-              <a:t>/</a:t>
-            </a:r>
-            <a:r>
-              <a:rPr lang="zh-TW" altLang="en-US" dirty="0" smtClean="0"/>
-              <a:t>基層辦事員</a:t>
+              <a:t>:</a:t>
             </a:r>
             <a:r>
               <a:rPr lang="en-US" altLang="zh-TW" dirty="0" smtClean="0"/>
@@ -48669,17 +49370,71 @@
             </a:br>
             <a:r>
               <a:rPr lang="zh-TW" altLang="en-US" dirty="0" smtClean="0"/>
-              <a:t>讀</a:t>
+              <a:t>基層辦事員</a:t>
             </a:r>
             <a:r>
               <a:rPr lang="en-US" altLang="zh-TW" dirty="0" smtClean="0"/>
-              <a:t>/</a:t>
+              <a:t>(</a:t>
+            </a:r>
+            <a:r>
+              <a:rPr lang="zh-TW" altLang="en-US" dirty="0" smtClean="0"/>
+              <a:t>可讀</a:t>
+            </a:r>
+            <a:r>
+              <a:rPr lang="en-US" altLang="zh-TW" dirty="0" smtClean="0"/>
+              <a:t>)</a:t>
+            </a:r>
+            <a:r>
+              <a:rPr lang="en-US" altLang="zh-TW" dirty="0" smtClean="0"/>
+              <a:t/>
+            </a:r>
+            <a:br>
+              <a:rPr lang="en-US" altLang="zh-TW" dirty="0" smtClean="0"/>
+            </a:br>
+            <a:r>
+              <a:rPr lang="zh-TW" altLang="en-US" dirty="0" smtClean="0"/>
+              <a:t>高階人員</a:t>
+            </a:r>
+            <a:r>
+              <a:rPr lang="en-US" altLang="zh-TW" dirty="0" smtClean="0"/>
+              <a:t>(</a:t>
+            </a:r>
+            <a:r>
+              <a:rPr lang="zh-TW" altLang="en-US" dirty="0" smtClean="0"/>
+              <a:t>可讀</a:t>
             </a:r>
             <a:r>
               <a:rPr lang="zh-TW" altLang="en-US" dirty="0" smtClean="0"/>
               <a:t>寫</a:t>
             </a:r>
-            <a:endParaRPr lang="zh-TW" altLang="en-US" dirty="0"/>
+            <a:r>
+              <a:rPr lang="en-US" altLang="zh-TW" dirty="0" smtClean="0"/>
+              <a:t>)</a:t>
+            </a:r>
+            <a:br>
+              <a:rPr lang="en-US" altLang="zh-TW" dirty="0" smtClean="0"/>
+            </a:br>
+            <a:r>
+              <a:rPr lang="zh-TW" altLang="en-US" i="1" u="sng" dirty="0" smtClean="0">
+                <a:solidFill>
+                  <a:schemeClr val="bg1"/>
+                </a:solidFill>
+              </a:rPr>
+              <a:t>有什麼情況下是反過來的呢</a:t>
+            </a:r>
+            <a:r>
+              <a:rPr lang="en-US" altLang="zh-TW" i="1" u="sng" dirty="0" smtClean="0">
+                <a:solidFill>
+                  <a:schemeClr val="bg1"/>
+                </a:solidFill>
+              </a:rPr>
+              <a:t>?</a:t>
+            </a:r>
+            <a:endParaRPr lang="zh-TW" altLang="en-US" i="1" u="sng" dirty="0">
+              <a:solidFill>
+                <a:schemeClr val="bg1"/>
+              </a:solidFill>
+            </a:endParaRPr>
           </a:p>
         </p:txBody>
       </p:sp>
@@ -48995,7 +49750,39 @@
             </a:r>
             <a:r>
               <a:rPr lang="en-US" altLang="zh-TW" sz="2400" dirty="0" smtClean="0"/>
-              <a:t>(password cracker)</a:t>
+              <a:t>(password </a:t>
+            </a:r>
+            <a:r>
+              <a:rPr lang="en-US" altLang="zh-TW" sz="2400" b="1" dirty="0" smtClean="0">
+                <a:solidFill>
+                  <a:srgbClr val="0000FF"/>
+                </a:solidFill>
+              </a:rPr>
+              <a:t>cra</a:t>
+            </a:r>
+            <a:r>
+              <a:rPr lang="en-US" altLang="zh-TW" sz="2400" dirty="0" smtClean="0"/>
+              <a:t>cker</a:t>
+            </a:r>
+            <a:r>
+              <a:rPr lang="en-US" altLang="zh-TW" sz="2400" dirty="0"/>
+              <a:t>) (password </a:t>
+            </a:r>
+            <a:r>
+              <a:rPr lang="en-US" altLang="zh-TW" sz="2400" b="1" dirty="0" smtClean="0">
+                <a:solidFill>
+                  <a:srgbClr val="0000FF"/>
+                </a:solidFill>
+              </a:rPr>
+              <a:t>h</a:t>
+            </a:r>
+            <a:r>
+              <a:rPr lang="en-US" altLang="zh-TW" sz="2400" dirty="0" smtClean="0"/>
+              <a:t>acker</a:t>
+            </a:r>
+            <a:r>
+              <a:rPr lang="en-US" altLang="zh-TW" sz="2400" dirty="0"/>
+              <a:t>)</a:t>
             </a:r>
           </a:p>
           <a:p>
